--- a/images/electronics diagram.pptx
+++ b/images/electronics diagram.pptx
@@ -106,6 +106,11 @@
       </a:defRPr>
     </a:lvl9pPr>
   </p:defaultTextStyle>
+  <p:extLst>
+    <p:ext uri="{EFAFB233-063F-42B5-8137-9DF3F51BA10A}">
+      <p15:sldGuideLst xmlns:p15="http://schemas.microsoft.com/office/powerpoint/2012/main"/>
+    </p:ext>
+  </p:extLst>
 </p:presentation>
 </file>
 
@@ -256,7 +261,7 @@
           <a:p>
             <a:fld id="{43646146-D467-4645-9F2C-194441EF1BA2}" type="datetimeFigureOut">
               <a:rPr lang="en-US" smtClean="0"/>
-              <a:t>2/16/2022</a:t>
+              <a:t>2/20/2022</a:t>
             </a:fld>
             <a:endParaRPr lang="en-US"/>
           </a:p>
@@ -454,7 +459,7 @@
           <a:p>
             <a:fld id="{43646146-D467-4645-9F2C-194441EF1BA2}" type="datetimeFigureOut">
               <a:rPr lang="en-US" smtClean="0"/>
-              <a:t>2/16/2022</a:t>
+              <a:t>2/20/2022</a:t>
             </a:fld>
             <a:endParaRPr lang="en-US"/>
           </a:p>
@@ -662,7 +667,7 @@
           <a:p>
             <a:fld id="{43646146-D467-4645-9F2C-194441EF1BA2}" type="datetimeFigureOut">
               <a:rPr lang="en-US" smtClean="0"/>
-              <a:t>2/16/2022</a:t>
+              <a:t>2/20/2022</a:t>
             </a:fld>
             <a:endParaRPr lang="en-US"/>
           </a:p>
@@ -860,7 +865,7 @@
           <a:p>
             <a:fld id="{43646146-D467-4645-9F2C-194441EF1BA2}" type="datetimeFigureOut">
               <a:rPr lang="en-US" smtClean="0"/>
-              <a:t>2/16/2022</a:t>
+              <a:t>2/20/2022</a:t>
             </a:fld>
             <a:endParaRPr lang="en-US"/>
           </a:p>
@@ -1135,7 +1140,7 @@
           <a:p>
             <a:fld id="{43646146-D467-4645-9F2C-194441EF1BA2}" type="datetimeFigureOut">
               <a:rPr lang="en-US" smtClean="0"/>
-              <a:t>2/16/2022</a:t>
+              <a:t>2/20/2022</a:t>
             </a:fld>
             <a:endParaRPr lang="en-US"/>
           </a:p>
@@ -1400,7 +1405,7 @@
           <a:p>
             <a:fld id="{43646146-D467-4645-9F2C-194441EF1BA2}" type="datetimeFigureOut">
               <a:rPr lang="en-US" smtClean="0"/>
-              <a:t>2/16/2022</a:t>
+              <a:t>2/20/2022</a:t>
             </a:fld>
             <a:endParaRPr lang="en-US"/>
           </a:p>
@@ -1812,7 +1817,7 @@
           <a:p>
             <a:fld id="{43646146-D467-4645-9F2C-194441EF1BA2}" type="datetimeFigureOut">
               <a:rPr lang="en-US" smtClean="0"/>
-              <a:t>2/16/2022</a:t>
+              <a:t>2/20/2022</a:t>
             </a:fld>
             <a:endParaRPr lang="en-US"/>
           </a:p>
@@ -1953,7 +1958,7 @@
           <a:p>
             <a:fld id="{43646146-D467-4645-9F2C-194441EF1BA2}" type="datetimeFigureOut">
               <a:rPr lang="en-US" smtClean="0"/>
-              <a:t>2/16/2022</a:t>
+              <a:t>2/20/2022</a:t>
             </a:fld>
             <a:endParaRPr lang="en-US"/>
           </a:p>
@@ -2066,7 +2071,7 @@
           <a:p>
             <a:fld id="{43646146-D467-4645-9F2C-194441EF1BA2}" type="datetimeFigureOut">
               <a:rPr lang="en-US" smtClean="0"/>
-              <a:t>2/16/2022</a:t>
+              <a:t>2/20/2022</a:t>
             </a:fld>
             <a:endParaRPr lang="en-US"/>
           </a:p>
@@ -2377,7 +2382,7 @@
           <a:p>
             <a:fld id="{43646146-D467-4645-9F2C-194441EF1BA2}" type="datetimeFigureOut">
               <a:rPr lang="en-US" smtClean="0"/>
-              <a:t>2/16/2022</a:t>
+              <a:t>2/20/2022</a:t>
             </a:fld>
             <a:endParaRPr lang="en-US"/>
           </a:p>
@@ -2665,7 +2670,7 @@
           <a:p>
             <a:fld id="{43646146-D467-4645-9F2C-194441EF1BA2}" type="datetimeFigureOut">
               <a:rPr lang="en-US" smtClean="0"/>
-              <a:t>2/16/2022</a:t>
+              <a:t>2/20/2022</a:t>
             </a:fld>
             <a:endParaRPr lang="en-US"/>
           </a:p>
@@ -2906,7 +2911,7 @@
           <a:p>
             <a:fld id="{43646146-D467-4645-9F2C-194441EF1BA2}" type="datetimeFigureOut">
               <a:rPr lang="en-US" smtClean="0"/>
-              <a:t>2/16/2022</a:t>
+              <a:t>2/20/2022</a:t>
             </a:fld>
             <a:endParaRPr lang="en-US"/>
           </a:p>
@@ -4029,7 +4034,7 @@
           <p:nvPr>
             <p:extLst>
               <p:ext uri="{D42A27DB-BD31-4B8C-83A1-F6EECF244321}">
-                <p14:modId xmlns:p14="http://schemas.microsoft.com/office/powerpoint/2010/main" val="3969688156"/>
+                <p14:modId xmlns:p14="http://schemas.microsoft.com/office/powerpoint/2010/main" val="3121888295"/>
               </p:ext>
             </p:extLst>
           </p:nvPr>
@@ -4147,7 +4152,10 @@
                     <a:lstStyle/>
                     <a:p>
                       <a:pPr algn="ctr"/>
-                      <a:endParaRPr lang="en-US" dirty="0"/>
+                      <a:r>
+                        <a:rPr lang="en-US" dirty="0"/>
+                        <a:t>D13</a:t>
+                      </a:r>
                     </a:p>
                   </a:txBody>
                   <a:tcPr/>
@@ -4179,7 +4187,10 @@
                     <a:lstStyle/>
                     <a:p>
                       <a:pPr algn="ctr"/>
-                      <a:endParaRPr lang="en-US" dirty="0"/>
+                      <a:r>
+                        <a:rPr lang="en-US" dirty="0"/>
+                        <a:t>D12</a:t>
+                      </a:r>
                     </a:p>
                   </a:txBody>
                   <a:tcPr/>
@@ -4211,7 +4222,10 @@
                     <a:lstStyle/>
                     <a:p>
                       <a:pPr algn="ctr"/>
-                      <a:endParaRPr lang="en-US" dirty="0"/>
+                      <a:r>
+                        <a:rPr lang="en-US" dirty="0"/>
+                        <a:t>D14</a:t>
+                      </a:r>
                     </a:p>
                   </a:txBody>
                   <a:tcPr/>
@@ -4243,7 +4257,10 @@
                     <a:lstStyle/>
                     <a:p>
                       <a:pPr algn="ctr"/>
-                      <a:endParaRPr lang="en-US" dirty="0"/>
+                      <a:r>
+                        <a:rPr lang="en-US" dirty="0"/>
+                        <a:t>D27</a:t>
+                      </a:r>
                     </a:p>
                   </a:txBody>
                   <a:tcPr/>
@@ -4275,7 +4292,10 @@
                     <a:lstStyle/>
                     <a:p>
                       <a:pPr algn="ctr"/>
-                      <a:endParaRPr lang="en-US" dirty="0"/>
+                      <a:r>
+                        <a:rPr lang="en-US" dirty="0"/>
+                        <a:t>D26</a:t>
+                      </a:r>
                     </a:p>
                   </a:txBody>
                   <a:tcPr/>
@@ -4910,14 +4930,14 @@
           <p:nvPr>
             <p:extLst>
               <p:ext uri="{D42A27DB-BD31-4B8C-83A1-F6EECF244321}">
-                <p14:modId xmlns:p14="http://schemas.microsoft.com/office/powerpoint/2010/main" val="1832024552"/>
+                <p14:modId xmlns:p14="http://schemas.microsoft.com/office/powerpoint/2010/main" val="1961956533"/>
               </p:ext>
             </p:extLst>
           </p:nvPr>
         </p:nvGraphicFramePr>
         <p:xfrm>
           <a:off x="7911509" y="104369"/>
-          <a:ext cx="4137111" cy="2865120"/>
+          <a:ext cx="4137111" cy="3977640"/>
         </p:xfrm>
         <a:graphic>
           <a:graphicData uri="http://schemas.openxmlformats.org/drawingml/2006/table">
@@ -5046,7 +5066,10 @@
                     <a:lstStyle/>
                     <a:p>
                       <a:pPr algn="ctr"/>
-                      <a:endParaRPr lang="en-US" dirty="0"/>
+                      <a:r>
+                        <a:rPr lang="en-US" dirty="0"/>
+                        <a:t>D13</a:t>
+                      </a:r>
                     </a:p>
                   </a:txBody>
                   <a:tcPr anchor="ctr"/>
@@ -5057,7 +5080,10 @@
                     <a:lstStyle/>
                     <a:p>
                       <a:pPr algn="ctr"/>
-                      <a:endParaRPr lang="en-US" dirty="0"/>
+                      <a:r>
+                        <a:rPr lang="en-US" dirty="0"/>
+                        <a:t>RPWM</a:t>
+                      </a:r>
                     </a:p>
                   </a:txBody>
                   <a:tcPr anchor="ctr"/>
@@ -5086,7 +5112,10 @@
                     <a:lstStyle/>
                     <a:p>
                       <a:pPr algn="ctr"/>
-                      <a:endParaRPr lang="en-US" dirty="0"/>
+                      <a:r>
+                        <a:rPr lang="en-US" dirty="0"/>
+                        <a:t>D12</a:t>
+                      </a:r>
                     </a:p>
                   </a:txBody>
                   <a:tcPr anchor="ctr"/>
@@ -5097,7 +5126,10 @@
                     <a:lstStyle/>
                     <a:p>
                       <a:pPr algn="ctr"/>
-                      <a:endParaRPr lang="en-US" dirty="0"/>
+                      <a:r>
+                        <a:rPr lang="en-US" dirty="0"/>
+                        <a:t>LPWM</a:t>
+                      </a:r>
                     </a:p>
                   </a:txBody>
                   <a:tcPr anchor="ctr"/>
@@ -5126,7 +5158,10 @@
                     <a:lstStyle/>
                     <a:p>
                       <a:pPr algn="ctr"/>
-                      <a:endParaRPr lang="en-US" dirty="0"/>
+                      <a:r>
+                        <a:rPr lang="en-US" dirty="0"/>
+                        <a:t>D14</a:t>
+                      </a:r>
                     </a:p>
                   </a:txBody>
                   <a:tcPr anchor="ctr"/>
@@ -5137,7 +5172,10 @@
                     <a:lstStyle/>
                     <a:p>
                       <a:pPr algn="ctr"/>
-                      <a:endParaRPr lang="en-US" dirty="0"/>
+                      <a:r>
+                        <a:rPr lang="en-US" dirty="0"/>
+                        <a:t>REN</a:t>
+                      </a:r>
                     </a:p>
                   </a:txBody>
                   <a:tcPr anchor="ctr"/>
@@ -5166,7 +5204,10 @@
                     <a:lstStyle/>
                     <a:p>
                       <a:pPr algn="ctr"/>
-                      <a:endParaRPr lang="en-US" dirty="0"/>
+                      <a:r>
+                        <a:rPr lang="en-US" dirty="0"/>
+                        <a:t>D27</a:t>
+                      </a:r>
                     </a:p>
                   </a:txBody>
                   <a:tcPr anchor="ctr"/>
@@ -5177,7 +5218,10 @@
                     <a:lstStyle/>
                     <a:p>
                       <a:pPr algn="ctr"/>
-                      <a:endParaRPr lang="en-US" dirty="0"/>
+                      <a:r>
+                        <a:rPr lang="en-US" dirty="0"/>
+                        <a:t>LEN</a:t>
+                      </a:r>
                     </a:p>
                   </a:txBody>
                   <a:tcPr anchor="ctr"/>
@@ -5206,7 +5250,10 @@
                     <a:lstStyle/>
                     <a:p>
                       <a:pPr algn="ctr"/>
-                      <a:endParaRPr lang="en-US" dirty="0"/>
+                      <a:r>
+                        <a:rPr lang="en-US" dirty="0"/>
+                        <a:t>D26</a:t>
+                      </a:r>
                     </a:p>
                   </a:txBody>
                   <a:tcPr anchor="ctr"/>
@@ -5228,7 +5275,10 @@
                     <a:lstStyle/>
                     <a:p>
                       <a:pPr algn="ctr"/>
-                      <a:endParaRPr lang="en-US" dirty="0"/>
+                      <a:r>
+                        <a:rPr lang="en-US" dirty="0"/>
+                        <a:t>RPWM</a:t>
+                      </a:r>
                     </a:p>
                   </a:txBody>
                   <a:tcPr anchor="ctr"/>
@@ -5239,10 +5289,197 @@
                   </a:ext>
                 </a:extLst>
               </a:tr>
+              <a:tr h="370840">
+                <a:tc>
+                  <a:txBody>
+                    <a:bodyPr/>
+                    <a:lstStyle/>
+                    <a:p>
+                      <a:pPr algn="ctr"/>
+                      <a:r>
+                        <a:rPr lang="en-US" dirty="0"/>
+                        <a:t>D25</a:t>
+                      </a:r>
+                    </a:p>
+                  </a:txBody>
+                  <a:tcPr anchor="ctr"/>
+                </a:tc>
+                <a:tc>
+                  <a:txBody>
+                    <a:bodyPr/>
+                    <a:lstStyle/>
+                    <a:p>
+                      <a:pPr algn="ctr"/>
+                      <a:endParaRPr lang="en-US" dirty="0"/>
+                    </a:p>
+                  </a:txBody>
+                  <a:tcPr anchor="ctr"/>
+                </a:tc>
+                <a:tc>
+                  <a:txBody>
+                    <a:bodyPr/>
+                    <a:lstStyle/>
+                    <a:p>
+                      <a:pPr algn="ctr"/>
+                      <a:r>
+                        <a:rPr lang="en-US" dirty="0"/>
+                        <a:t>LPWM</a:t>
+                      </a:r>
+                    </a:p>
+                  </a:txBody>
+                  <a:tcPr anchor="ctr"/>
+                </a:tc>
+                <a:extLst>
+                  <a:ext uri="{0D108BD9-81ED-4DB2-BD59-A6C34878D82A}">
+                    <a16:rowId xmlns:a16="http://schemas.microsoft.com/office/drawing/2014/main" val="1700064193"/>
+                  </a:ext>
+                </a:extLst>
+              </a:tr>
+              <a:tr h="370840">
+                <a:tc>
+                  <a:txBody>
+                    <a:bodyPr/>
+                    <a:lstStyle/>
+                    <a:p>
+                      <a:pPr algn="ctr"/>
+                      <a:r>
+                        <a:rPr lang="en-US" dirty="0"/>
+                        <a:t>D33</a:t>
+                      </a:r>
+                    </a:p>
+                  </a:txBody>
+                  <a:tcPr anchor="ctr"/>
+                </a:tc>
+                <a:tc>
+                  <a:txBody>
+                    <a:bodyPr/>
+                    <a:lstStyle/>
+                    <a:p>
+                      <a:pPr algn="ctr"/>
+                      <a:endParaRPr lang="en-US" dirty="0"/>
+                    </a:p>
+                  </a:txBody>
+                  <a:tcPr anchor="ctr"/>
+                </a:tc>
+                <a:tc>
+                  <a:txBody>
+                    <a:bodyPr/>
+                    <a:lstStyle/>
+                    <a:p>
+                      <a:pPr algn="ctr"/>
+                      <a:r>
+                        <a:rPr lang="en-US" dirty="0"/>
+                        <a:t>REN</a:t>
+                      </a:r>
+                    </a:p>
+                  </a:txBody>
+                  <a:tcPr anchor="ctr"/>
+                </a:tc>
+                <a:extLst>
+                  <a:ext uri="{0D108BD9-81ED-4DB2-BD59-A6C34878D82A}">
+                    <a16:rowId xmlns:a16="http://schemas.microsoft.com/office/drawing/2014/main" val="266100332"/>
+                  </a:ext>
+                </a:extLst>
+              </a:tr>
+              <a:tr h="370840">
+                <a:tc>
+                  <a:txBody>
+                    <a:bodyPr/>
+                    <a:lstStyle/>
+                    <a:p>
+                      <a:pPr algn="ctr"/>
+                      <a:r>
+                        <a:rPr lang="en-US" dirty="0"/>
+                        <a:t>D32</a:t>
+                      </a:r>
+                    </a:p>
+                  </a:txBody>
+                  <a:tcPr anchor="ctr"/>
+                </a:tc>
+                <a:tc>
+                  <a:txBody>
+                    <a:bodyPr/>
+                    <a:lstStyle/>
+                    <a:p>
+                      <a:pPr algn="ctr"/>
+                      <a:endParaRPr lang="en-US" dirty="0"/>
+                    </a:p>
+                  </a:txBody>
+                  <a:tcPr anchor="ctr"/>
+                </a:tc>
+                <a:tc>
+                  <a:txBody>
+                    <a:bodyPr/>
+                    <a:lstStyle/>
+                    <a:p>
+                      <a:pPr algn="ctr"/>
+                      <a:r>
+                        <a:rPr lang="en-US" dirty="0"/>
+                        <a:t>LEN</a:t>
+                      </a:r>
+                    </a:p>
+                  </a:txBody>
+                  <a:tcPr anchor="ctr"/>
+                </a:tc>
+                <a:extLst>
+                  <a:ext uri="{0D108BD9-81ED-4DB2-BD59-A6C34878D82A}">
+                    <a16:rowId xmlns:a16="http://schemas.microsoft.com/office/drawing/2014/main" val="3062907311"/>
+                  </a:ext>
+                </a:extLst>
+              </a:tr>
             </a:tbl>
           </a:graphicData>
         </a:graphic>
       </p:graphicFrame>
+      <p:sp>
+        <p:nvSpPr>
+          <p:cNvPr id="2" name="Rectangle: Rounded Corners 1">
+            <a:extLst>
+              <a:ext uri="{FF2B5EF4-FFF2-40B4-BE49-F238E27FC236}">
+                <a16:creationId xmlns:a16="http://schemas.microsoft.com/office/drawing/2014/main" id="{34F7B2B0-88D2-4949-A158-49B5C1BC89EF}"/>
+              </a:ext>
+            </a:extLst>
+          </p:cNvPr>
+          <p:cNvSpPr/>
+          <p:nvPr/>
+        </p:nvSpPr>
+        <p:spPr>
+          <a:xfrm>
+            <a:off x="2572871" y="1703294"/>
+            <a:ext cx="2375647" cy="997238"/>
+          </a:xfrm>
+          <a:prstGeom prst="roundRect">
+            <a:avLst/>
+          </a:prstGeom>
+        </p:spPr>
+        <p:style>
+          <a:lnRef idx="2">
+            <a:schemeClr val="accent6">
+              <a:shade val="50000"/>
+            </a:schemeClr>
+          </a:lnRef>
+          <a:fillRef idx="1">
+            <a:schemeClr val="accent6"/>
+          </a:fillRef>
+          <a:effectRef idx="0">
+            <a:schemeClr val="accent6"/>
+          </a:effectRef>
+          <a:fontRef idx="minor">
+            <a:schemeClr val="lt1"/>
+          </a:fontRef>
+        </p:style>
+        <p:txBody>
+          <a:bodyPr rtlCol="0" anchor="ctr"/>
+          <a:lstStyle/>
+          <a:p>
+            <a:pPr algn="ctr"/>
+            <a:r>
+              <a:rPr lang="en-US" dirty="0"/>
+              <a:t>PSU</a:t>
+            </a:r>
+          </a:p>
+        </p:txBody>
+      </p:sp>
     </p:spTree>
     <p:extLst>
       <p:ext uri="{BB962C8B-B14F-4D97-AF65-F5344CB8AC3E}">
